--- a/files/Test - Jazyk C, časovač.pptx
+++ b/files/Test - Jazyk C, časovač.pptx
@@ -294,6 +294,7 @@
           <a:p>
             <a:fld id="{A8D5C482-4AE6-45B9-8E2D-A8E3D2E3E3D2}" type="datetimeFigureOut">
               <a:rPr lang="cs-CZ" smtClean="0"/>
+              <a:pPr/>
               <a:t>03.12.2024</a:t>
             </a:fld>
             <a:endParaRPr lang="cs-CZ"/>
@@ -336,6 +337,7 @@
           <a:p>
             <a:fld id="{5D463A32-6845-4E44-BFE7-F66D3965281B}" type="slidenum">
               <a:rPr lang="cs-CZ" smtClean="0"/>
+              <a:pPr/>
               <a:t>‹#›</a:t>
             </a:fld>
             <a:endParaRPr lang="cs-CZ"/>
@@ -459,6 +461,7 @@
           <a:p>
             <a:fld id="{A8D5C482-4AE6-45B9-8E2D-A8E3D2E3E3D2}" type="datetimeFigureOut">
               <a:rPr lang="cs-CZ" smtClean="0"/>
+              <a:pPr/>
               <a:t>03.12.2024</a:t>
             </a:fld>
             <a:endParaRPr lang="cs-CZ"/>
@@ -501,6 +504,7 @@
           <a:p>
             <a:fld id="{5D463A32-6845-4E44-BFE7-F66D3965281B}" type="slidenum">
               <a:rPr lang="cs-CZ" smtClean="0"/>
+              <a:pPr/>
               <a:t>‹#›</a:t>
             </a:fld>
             <a:endParaRPr lang="cs-CZ"/>
@@ -634,6 +638,7 @@
           <a:p>
             <a:fld id="{A8D5C482-4AE6-45B9-8E2D-A8E3D2E3E3D2}" type="datetimeFigureOut">
               <a:rPr lang="cs-CZ" smtClean="0"/>
+              <a:pPr/>
               <a:t>03.12.2024</a:t>
             </a:fld>
             <a:endParaRPr lang="cs-CZ"/>
@@ -676,6 +681,7 @@
           <a:p>
             <a:fld id="{5D463A32-6845-4E44-BFE7-F66D3965281B}" type="slidenum">
               <a:rPr lang="cs-CZ" smtClean="0"/>
+              <a:pPr/>
               <a:t>‹#›</a:t>
             </a:fld>
             <a:endParaRPr lang="cs-CZ"/>
@@ -799,6 +805,7 @@
           <a:p>
             <a:fld id="{A8D5C482-4AE6-45B9-8E2D-A8E3D2E3E3D2}" type="datetimeFigureOut">
               <a:rPr lang="cs-CZ" smtClean="0"/>
+              <a:pPr/>
               <a:t>03.12.2024</a:t>
             </a:fld>
             <a:endParaRPr lang="cs-CZ"/>
@@ -841,6 +848,7 @@
           <a:p>
             <a:fld id="{5D463A32-6845-4E44-BFE7-F66D3965281B}" type="slidenum">
               <a:rPr lang="cs-CZ" smtClean="0"/>
+              <a:pPr/>
               <a:t>‹#›</a:t>
             </a:fld>
             <a:endParaRPr lang="cs-CZ"/>
@@ -1040,6 +1048,7 @@
           <a:p>
             <a:fld id="{A8D5C482-4AE6-45B9-8E2D-A8E3D2E3E3D2}" type="datetimeFigureOut">
               <a:rPr lang="cs-CZ" smtClean="0"/>
+              <a:pPr/>
               <a:t>03.12.2024</a:t>
             </a:fld>
             <a:endParaRPr lang="cs-CZ"/>
@@ -1082,6 +1091,7 @@
           <a:p>
             <a:fld id="{5D463A32-6845-4E44-BFE7-F66D3965281B}" type="slidenum">
               <a:rPr lang="cs-CZ" smtClean="0"/>
+              <a:pPr/>
               <a:t>‹#›</a:t>
             </a:fld>
             <a:endParaRPr lang="cs-CZ"/>
@@ -1323,6 +1333,7 @@
           <a:p>
             <a:fld id="{A8D5C482-4AE6-45B9-8E2D-A8E3D2E3E3D2}" type="datetimeFigureOut">
               <a:rPr lang="cs-CZ" smtClean="0"/>
+              <a:pPr/>
               <a:t>03.12.2024</a:t>
             </a:fld>
             <a:endParaRPr lang="cs-CZ"/>
@@ -1365,6 +1376,7 @@
           <a:p>
             <a:fld id="{5D463A32-6845-4E44-BFE7-F66D3965281B}" type="slidenum">
               <a:rPr lang="cs-CZ" smtClean="0"/>
+              <a:pPr/>
               <a:t>‹#›</a:t>
             </a:fld>
             <a:endParaRPr lang="cs-CZ"/>
@@ -1740,6 +1752,7 @@
           <a:p>
             <a:fld id="{A8D5C482-4AE6-45B9-8E2D-A8E3D2E3E3D2}" type="datetimeFigureOut">
               <a:rPr lang="cs-CZ" smtClean="0"/>
+              <a:pPr/>
               <a:t>03.12.2024</a:t>
             </a:fld>
             <a:endParaRPr lang="cs-CZ"/>
@@ -1782,6 +1795,7 @@
           <a:p>
             <a:fld id="{5D463A32-6845-4E44-BFE7-F66D3965281B}" type="slidenum">
               <a:rPr lang="cs-CZ" smtClean="0"/>
+              <a:pPr/>
               <a:t>‹#›</a:t>
             </a:fld>
             <a:endParaRPr lang="cs-CZ"/>
@@ -1853,6 +1867,7 @@
           <a:p>
             <a:fld id="{A8D5C482-4AE6-45B9-8E2D-A8E3D2E3E3D2}" type="datetimeFigureOut">
               <a:rPr lang="cs-CZ" smtClean="0"/>
+              <a:pPr/>
               <a:t>03.12.2024</a:t>
             </a:fld>
             <a:endParaRPr lang="cs-CZ"/>
@@ -1895,6 +1910,7 @@
           <a:p>
             <a:fld id="{5D463A32-6845-4E44-BFE7-F66D3965281B}" type="slidenum">
               <a:rPr lang="cs-CZ" smtClean="0"/>
+              <a:pPr/>
               <a:t>‹#›</a:t>
             </a:fld>
             <a:endParaRPr lang="cs-CZ"/>
@@ -1943,6 +1959,7 @@
           <a:p>
             <a:fld id="{A8D5C482-4AE6-45B9-8E2D-A8E3D2E3E3D2}" type="datetimeFigureOut">
               <a:rPr lang="cs-CZ" smtClean="0"/>
+              <a:pPr/>
               <a:t>03.12.2024</a:t>
             </a:fld>
             <a:endParaRPr lang="cs-CZ"/>
@@ -1985,6 +2002,7 @@
           <a:p>
             <a:fld id="{5D463A32-6845-4E44-BFE7-F66D3965281B}" type="slidenum">
               <a:rPr lang="cs-CZ" smtClean="0"/>
+              <a:pPr/>
               <a:t>‹#›</a:t>
             </a:fld>
             <a:endParaRPr lang="cs-CZ"/>
@@ -2215,6 +2233,7 @@
           <a:p>
             <a:fld id="{A8D5C482-4AE6-45B9-8E2D-A8E3D2E3E3D2}" type="datetimeFigureOut">
               <a:rPr lang="cs-CZ" smtClean="0"/>
+              <a:pPr/>
               <a:t>03.12.2024</a:t>
             </a:fld>
             <a:endParaRPr lang="cs-CZ"/>
@@ -2257,6 +2276,7 @@
           <a:p>
             <a:fld id="{5D463A32-6845-4E44-BFE7-F66D3965281B}" type="slidenum">
               <a:rPr lang="cs-CZ" smtClean="0"/>
+              <a:pPr/>
               <a:t>‹#›</a:t>
             </a:fld>
             <a:endParaRPr lang="cs-CZ"/>
@@ -2463,6 +2483,7 @@
           <a:p>
             <a:fld id="{A8D5C482-4AE6-45B9-8E2D-A8E3D2E3E3D2}" type="datetimeFigureOut">
               <a:rPr lang="cs-CZ" smtClean="0"/>
+              <a:pPr/>
               <a:t>03.12.2024</a:t>
             </a:fld>
             <a:endParaRPr lang="cs-CZ"/>
@@ -2505,6 +2526,7 @@
           <a:p>
             <a:fld id="{5D463A32-6845-4E44-BFE7-F66D3965281B}" type="slidenum">
               <a:rPr lang="cs-CZ" smtClean="0"/>
+              <a:pPr/>
               <a:t>‹#›</a:t>
             </a:fld>
             <a:endParaRPr lang="cs-CZ"/>
@@ -2671,6 +2693,7 @@
           <a:p>
             <a:fld id="{A8D5C482-4AE6-45B9-8E2D-A8E3D2E3E3D2}" type="datetimeFigureOut">
               <a:rPr lang="cs-CZ" smtClean="0"/>
+              <a:pPr/>
               <a:t>03.12.2024</a:t>
             </a:fld>
             <a:endParaRPr lang="cs-CZ"/>
@@ -2749,6 +2772,7 @@
           <a:p>
             <a:fld id="{5D463A32-6845-4E44-BFE7-F66D3965281B}" type="slidenum">
               <a:rPr lang="cs-CZ" smtClean="0"/>
+              <a:pPr/>
               <a:t>‹#›</a:t>
             </a:fld>
             <a:endParaRPr lang="cs-CZ"/>
@@ -3058,11 +3082,7 @@
           <a:p>
             <a:r>
               <a:rPr lang="cs-CZ" dirty="0" smtClean="0"/>
-              <a:t>Test - </a:t>
-            </a:r>
-            <a:r>
-              <a:rPr lang="cs-CZ" dirty="0" smtClean="0"/>
-              <a:t>Jazyk C, časovač</a:t>
+              <a:t>Test - Jazyk C, časovač</a:t>
             </a:r>
             <a:endParaRPr lang="cs-CZ" dirty="0"/>
           </a:p>
@@ -3092,6 +3112,13 @@
   <p:clrMapOvr>
     <a:masterClrMapping/>
   </p:clrMapOvr>
+  <p:timing>
+    <p:tnLst>
+      <p:par>
+        <p:cTn id="1" dur="indefinite" restart="never" nodeType="tmRoot"/>
+      </p:par>
+    </p:tnLst>
+  </p:timing>
 </p:sld>
 </file>
 
@@ -3145,30 +3172,80 @@
             <p:ph idx="1"/>
           </p:nvPr>
         </p:nvSpPr>
-        <p:spPr/>
-        <p:txBody>
-          <a:bodyPr/>
-          <a:lstStyle/>
-          <a:p>
+        <p:spPr>
+          <a:xfrm>
+            <a:off x="457200" y="1600200"/>
+            <a:ext cx="8115328" cy="4525963"/>
+          </a:xfrm>
+        </p:spPr>
+        <p:txBody>
+          <a:bodyPr/>
+          <a:lstStyle/>
+          <a:p>
+            <a:pPr>
+              <a:buNone/>
+            </a:pPr>
             <a:r>
               <a:rPr lang="cs-CZ" dirty="0"/>
-              <a:t>Vytvořte proměnnou typu </a:t>
-            </a:r>
-            <a:r>
-              <a:rPr lang="cs-CZ" dirty="0" err="1"/>
-              <a:t>int</a:t>
+              <a:t>Vytvořte </a:t>
+            </a:r>
+            <a:r>
+              <a:rPr lang="cs-CZ" dirty="0" smtClean="0"/>
+              <a:t>celočíselnou proměnnou s názvem „</a:t>
+            </a:r>
+            <a:r>
+              <a:rPr lang="cs-CZ" dirty="0" err="1" smtClean="0"/>
+              <a:t>counter</a:t>
+            </a:r>
+            <a:r>
+              <a:rPr lang="cs-CZ" dirty="0" smtClean="0"/>
+              <a:t>“</a:t>
+            </a:r>
+          </a:p>
+          <a:p>
+            <a:pPr lvl="1"/>
+            <a:r>
+              <a:rPr lang="cs-CZ" dirty="0" smtClean="0"/>
+              <a:t> Zapište </a:t>
             </a:r>
             <a:r>
               <a:rPr lang="cs-CZ" dirty="0"/>
-              <a:t>, zapište do ní číslo 152. Poté proměnnou zvyšte o 20. Výslednou hodnotu </a:t>
-            </a:r>
-            <a:r>
-              <a:rPr lang="cs-CZ" dirty="0" err="1"/>
-              <a:t>zapiště</a:t>
+              <a:t>do ní číslo </a:t>
+            </a:r>
+            <a:r>
+              <a:rPr lang="cs-CZ" dirty="0" smtClean="0"/>
+              <a:t>152</a:t>
+            </a:r>
+          </a:p>
+          <a:p>
+            <a:pPr lvl="1"/>
+            <a:r>
+              <a:rPr lang="cs-CZ" dirty="0" smtClean="0"/>
+              <a:t> </a:t>
             </a:r>
             <a:r>
               <a:rPr lang="cs-CZ" dirty="0"/>
-              <a:t> do registru PORTF.</a:t>
+              <a:t>Poté proměnnou zvyšte o 20. </a:t>
+            </a:r>
+            <a:endParaRPr lang="cs-CZ" dirty="0" smtClean="0"/>
+          </a:p>
+          <a:p>
+            <a:pPr lvl="1"/>
+            <a:r>
+              <a:rPr lang="cs-CZ" dirty="0" smtClean="0"/>
+              <a:t>Výslednou </a:t>
+            </a:r>
+            <a:r>
+              <a:rPr lang="cs-CZ" dirty="0"/>
+              <a:t>hodnotu </a:t>
+            </a:r>
+            <a:r>
+              <a:rPr lang="cs-CZ" dirty="0" smtClean="0"/>
+              <a:t>zapište </a:t>
+            </a:r>
+            <a:r>
+              <a:rPr lang="cs-CZ" dirty="0"/>
+              <a:t>do registru PORTF.</a:t>
             </a:r>
           </a:p>
           <a:p>
@@ -3181,6 +3258,13 @@
   <p:clrMapOvr>
     <a:masterClrMapping/>
   </p:clrMapOvr>
+  <p:timing>
+    <p:tnLst>
+      <p:par>
+        <p:cTn id="1" dur="indefinite" restart="never" nodeType="tmRoot"/>
+      </p:par>
+    </p:tnLst>
+  </p:timing>
 </p:sld>
 </file>
 
@@ -3239,9 +3323,39 @@
           <a:bodyPr/>
           <a:lstStyle/>
           <a:p>
+            <a:pPr>
+              <a:buNone/>
+            </a:pPr>
             <a:r>
               <a:rPr lang="cs-CZ" dirty="0"/>
-              <a:t>Napište příkaz s podmínkou. Pokud je hodnota v registru PINK větší než 5, zapíše se hodnota registru PINK do registru PORTF. Pokud je hodnota menší nebo rovna 5, zapíše se do registru PORTF hodnota 0.</a:t>
+              <a:t>Napište příkaz s </a:t>
+            </a:r>
+            <a:r>
+              <a:rPr lang="cs-CZ" dirty="0" smtClean="0"/>
+              <a:t>podmínkou:</a:t>
+            </a:r>
+          </a:p>
+          <a:p>
+            <a:pPr lvl="1"/>
+            <a:r>
+              <a:rPr lang="cs-CZ" dirty="0" smtClean="0"/>
+              <a:t>Pokud </a:t>
+            </a:r>
+            <a:r>
+              <a:rPr lang="cs-CZ" dirty="0"/>
+              <a:t>je hodnota v registru PINK větší než 5, zapíše se hodnota registru PINK do registru PORTF. </a:t>
+            </a:r>
+            <a:endParaRPr lang="cs-CZ" dirty="0" smtClean="0"/>
+          </a:p>
+          <a:p>
+            <a:pPr lvl="1"/>
+            <a:r>
+              <a:rPr lang="cs-CZ" dirty="0" smtClean="0"/>
+              <a:t>Pokud </a:t>
+            </a:r>
+            <a:r>
+              <a:rPr lang="cs-CZ" dirty="0"/>
+              <a:t>je hodnota menší nebo rovna 5, zapíše se do registru PORTF hodnota 0.</a:t>
             </a:r>
           </a:p>
           <a:p>
@@ -3254,6 +3368,13 @@
   <p:clrMapOvr>
     <a:masterClrMapping/>
   </p:clrMapOvr>
+  <p:timing>
+    <p:tnLst>
+      <p:par>
+        <p:cTn id="1" dur="indefinite" restart="never" nodeType="tmRoot"/>
+      </p:par>
+    </p:tnLst>
+  </p:timing>
 </p:sld>
 </file>
 
@@ -3339,7 +3460,18 @@
             </a:r>
             <a:r>
               <a:rPr lang="cs-CZ" dirty="0"/>
-              <a:t>zapište postupně všechny hodnoty z pole “segmenty” do registru PORTB. Mezi jednotlivými zápisy udělejte pauzu 100ms pomocí funkce _</a:t>
+              <a:t>zapište postupně všechny hodnoty z pole “segmenty” do registru PORTB. </a:t>
+            </a:r>
+            <a:endParaRPr lang="cs-CZ" dirty="0" smtClean="0"/>
+          </a:p>
+          <a:p>
+            <a:r>
+              <a:rPr lang="cs-CZ" dirty="0" smtClean="0"/>
+              <a:t>Mezi </a:t>
+            </a:r>
+            <a:r>
+              <a:rPr lang="cs-CZ" dirty="0"/>
+              <a:t>jednotlivými zápisy udělejte pauzu 100ms pomocí funkce _</a:t>
             </a:r>
             <a:r>
               <a:rPr lang="cs-CZ" dirty="0" err="1"/>
@@ -3450,14 +3582,51 @@
             <p:ph idx="1"/>
           </p:nvPr>
         </p:nvSpPr>
-        <p:spPr/>
-        <p:txBody>
-          <a:bodyPr/>
-          <a:lstStyle/>
-          <a:p>
+        <p:spPr>
+          <a:xfrm>
+            <a:off x="457200" y="1600200"/>
+            <a:ext cx="8543956" cy="4525963"/>
+          </a:xfrm>
+        </p:spPr>
+        <p:txBody>
+          <a:bodyPr/>
+          <a:lstStyle/>
+          <a:p>
+            <a:pPr>
+              <a:buNone/>
+            </a:pPr>
             <a:r>
               <a:rPr lang="cs-CZ" dirty="0"/>
-              <a:t>Nadefinujte funkci “druha_mocnina”. Funkce bude mít jeden vstupní argument (celé číslo), vracet bude jeho druhou mocninu.</a:t>
+              <a:t>Nadefinujte funkci “druha_mocnina”. </a:t>
+            </a:r>
+            <a:endParaRPr lang="cs-CZ" dirty="0" smtClean="0"/>
+          </a:p>
+          <a:p>
+            <a:r>
+              <a:rPr lang="cs-CZ" dirty="0" smtClean="0"/>
+              <a:t>Funkce </a:t>
+            </a:r>
+            <a:r>
+              <a:rPr lang="cs-CZ" dirty="0"/>
+              <a:t>bude mít jeden vstupní argument (celé číslo</a:t>
+            </a:r>
+            <a:r>
+              <a:rPr lang="cs-CZ" dirty="0" smtClean="0"/>
+              <a:t>)</a:t>
+            </a:r>
+          </a:p>
+          <a:p>
+            <a:r>
+              <a:rPr lang="cs-CZ" dirty="0" smtClean="0"/>
+              <a:t>Funkce bude</a:t>
+            </a:r>
+            <a:r>
+              <a:rPr lang="cs-CZ" dirty="0" smtClean="0"/>
+              <a:t> </a:t>
+            </a:r>
+            <a:r>
+              <a:rPr lang="cs-CZ" dirty="0"/>
+              <a:t>vracet bude jeho druhou mocninu.</a:t>
             </a:r>
           </a:p>
           <a:p>
